--- a/docs/diagrams/ModelComponentClassBetterOopDiagram.pptx
+++ b/docs/diagrams/ModelComponentClassBetterOopDiagram.pptx
@@ -208,7 +208,7 @@
           <a:p>
             <a:fld id="{F5CC4B3F-88C1-4FFA-B1B6-F41C21DC6924}" type="datetimeFigureOut">
               <a:rPr lang="en-US" smtClean="0"/>
-              <a:t>6/27/2018</a:t>
+              <a:t>11/11/2018</a:t>
             </a:fld>
             <a:endParaRPr lang="en-US"/>
           </a:p>
@@ -654,7 +654,7 @@
           <a:p>
             <a:fld id="{78C97017-6FC3-485B-9764-EAC9E56C1D49}" type="datetimeFigureOut">
               <a:rPr lang="en-US" smtClean="0"/>
-              <a:t>6/27/2018</a:t>
+              <a:t>11/11/2018</a:t>
             </a:fld>
             <a:endParaRPr lang="en-US"/>
           </a:p>
@@ -822,7 +822,7 @@
           <a:p>
             <a:fld id="{78C97017-6FC3-485B-9764-EAC9E56C1D49}" type="datetimeFigureOut">
               <a:rPr lang="en-US" smtClean="0"/>
-              <a:t>6/27/2018</a:t>
+              <a:t>11/11/2018</a:t>
             </a:fld>
             <a:endParaRPr lang="en-US"/>
           </a:p>
@@ -1000,7 +1000,7 @@
           <a:p>
             <a:fld id="{78C97017-6FC3-485B-9764-EAC9E56C1D49}" type="datetimeFigureOut">
               <a:rPr lang="en-US" smtClean="0"/>
-              <a:t>6/27/2018</a:t>
+              <a:t>11/11/2018</a:t>
             </a:fld>
             <a:endParaRPr lang="en-US"/>
           </a:p>
@@ -1168,7 +1168,7 @@
           <a:p>
             <a:fld id="{78C97017-6FC3-485B-9764-EAC9E56C1D49}" type="datetimeFigureOut">
               <a:rPr lang="en-US" smtClean="0"/>
-              <a:t>6/27/2018</a:t>
+              <a:t>11/11/2018</a:t>
             </a:fld>
             <a:endParaRPr lang="en-US"/>
           </a:p>
@@ -1413,7 +1413,7 @@
           <a:p>
             <a:fld id="{78C97017-6FC3-485B-9764-EAC9E56C1D49}" type="datetimeFigureOut">
               <a:rPr lang="en-US" smtClean="0"/>
-              <a:t>6/27/2018</a:t>
+              <a:t>11/11/2018</a:t>
             </a:fld>
             <a:endParaRPr lang="en-US"/>
           </a:p>
@@ -1698,7 +1698,7 @@
           <a:p>
             <a:fld id="{78C97017-6FC3-485B-9764-EAC9E56C1D49}" type="datetimeFigureOut">
               <a:rPr lang="en-US" smtClean="0"/>
-              <a:t>6/27/2018</a:t>
+              <a:t>11/11/2018</a:t>
             </a:fld>
             <a:endParaRPr lang="en-US"/>
           </a:p>
@@ -2117,7 +2117,7 @@
           <a:p>
             <a:fld id="{78C97017-6FC3-485B-9764-EAC9E56C1D49}" type="datetimeFigureOut">
               <a:rPr lang="en-US" smtClean="0"/>
-              <a:t>6/27/2018</a:t>
+              <a:t>11/11/2018</a:t>
             </a:fld>
             <a:endParaRPr lang="en-US"/>
           </a:p>
@@ -2234,7 +2234,7 @@
           <a:p>
             <a:fld id="{78C97017-6FC3-485B-9764-EAC9E56C1D49}" type="datetimeFigureOut">
               <a:rPr lang="en-US" smtClean="0"/>
-              <a:t>6/27/2018</a:t>
+              <a:t>11/11/2018</a:t>
             </a:fld>
             <a:endParaRPr lang="en-US"/>
           </a:p>
@@ -2329,7 +2329,7 @@
           <a:p>
             <a:fld id="{78C97017-6FC3-485B-9764-EAC9E56C1D49}" type="datetimeFigureOut">
               <a:rPr lang="en-US" smtClean="0"/>
-              <a:t>6/27/2018</a:t>
+              <a:t>11/11/2018</a:t>
             </a:fld>
             <a:endParaRPr lang="en-US"/>
           </a:p>
@@ -2604,7 +2604,7 @@
           <a:p>
             <a:fld id="{78C97017-6FC3-485B-9764-EAC9E56C1D49}" type="datetimeFigureOut">
               <a:rPr lang="en-US" smtClean="0"/>
-              <a:t>6/27/2018</a:t>
+              <a:t>11/11/2018</a:t>
             </a:fld>
             <a:endParaRPr lang="en-US"/>
           </a:p>
@@ -2856,7 +2856,7 @@
           <a:p>
             <a:fld id="{78C97017-6FC3-485B-9764-EAC9E56C1D49}" type="datetimeFigureOut">
               <a:rPr lang="en-US" smtClean="0"/>
-              <a:t>6/27/2018</a:t>
+              <a:t>11/11/2018</a:t>
             </a:fld>
             <a:endParaRPr lang="en-US"/>
           </a:p>
@@ -3067,7 +3067,7 @@
           <a:p>
             <a:fld id="{78C97017-6FC3-485B-9764-EAC9E56C1D49}" type="datetimeFigureOut">
               <a:rPr lang="en-US" smtClean="0"/>
-              <a:t>6/27/2018</a:t>
+              <a:t>11/11/2018</a:t>
             </a:fld>
             <a:endParaRPr lang="en-US"/>
           </a:p>
@@ -3992,12 +3992,12 @@
           <a:p>
             <a:pPr algn="ctr"/>
             <a:r>
-              <a:rPr lang="en-US" sz="1050" dirty="0" err="1" smtClean="0">
+              <a:rPr lang="en-US" sz="1050" dirty="0" err="1">
                 <a:solidFill>
                   <a:srgbClr val="7030A0"/>
                 </a:solidFill>
               </a:rPr>
-              <a:t>VersionedAddressBook</a:t>
+              <a:t>VersionedConcierge</a:t>
             </a:r>
             <a:endParaRPr lang="en-SG" sz="1050" dirty="0">
               <a:solidFill>
@@ -4139,7 +4139,7 @@
                   <a:srgbClr val="7030A0"/>
                 </a:solidFill>
               </a:rPr>
-              <a:t>UniquePersonList</a:t>
+              <a:t>UniqueGuestList</a:t>
             </a:r>
             <a:endParaRPr lang="en-SG" sz="1050" dirty="0">
               <a:solidFill>
@@ -4283,7 +4283,7 @@
                   <a:srgbClr val="7030A0"/>
                 </a:solidFill>
               </a:rPr>
-              <a:t>Person</a:t>
+              <a:t>Guest</a:t>
             </a:r>
             <a:endParaRPr lang="en-SG" sz="1050" dirty="0">
               <a:solidFill>
@@ -4719,14 +4719,53 @@
       </p:cxnSp>
       <p:sp>
         <p:nvSpPr>
-          <p:cNvPr id="85" name="Rectangle 8"/>
+          <p:cNvPr id="114" name="TextBox 113"/>
+          <p:cNvSpPr txBox="1"/>
+          <p:nvPr/>
+        </p:nvSpPr>
+        <p:spPr>
+          <a:xfrm rot="16200000">
+            <a:off x="6362886" y="3586305"/>
+            <a:ext cx="881018" cy="261610"/>
+          </a:xfrm>
+          <a:prstGeom prst="rect">
+            <a:avLst/>
+          </a:prstGeom>
+          <a:noFill/>
+        </p:spPr>
+        <p:txBody>
+          <a:bodyPr wrap="square" rtlCol="0">
+            <a:spAutoFit/>
+          </a:bodyPr>
+          <a:lstStyle/>
+          <a:p>
+            <a:pPr algn="r"/>
+            <a:r>
+              <a:rPr lang="en-US" sz="1100" dirty="0">
+                <a:solidFill>
+                  <a:srgbClr val="7030A0"/>
+                </a:solidFill>
+              </a:rPr>
+              <a:t>filtered list</a:t>
+            </a:r>
+            <a:endParaRPr lang="en-SG" sz="1100" dirty="0">
+              <a:solidFill>
+                <a:srgbClr val="7030A0"/>
+              </a:solidFill>
+            </a:endParaRPr>
+          </a:p>
+        </p:txBody>
+      </p:sp>
+      <p:sp>
+        <p:nvSpPr>
+          <p:cNvPr id="122" name="Rectangle 8"/>
           <p:cNvSpPr/>
           <p:nvPr/>
         </p:nvSpPr>
         <p:spPr>
           <a:xfrm>
-            <a:off x="7712397" y="3533171"/>
-            <a:ext cx="708186" cy="285783"/>
+            <a:off x="2057401" y="4239491"/>
+            <a:ext cx="1066800" cy="346760"/>
           </a:xfrm>
           <a:prstGeom prst="rect">
             <a:avLst/>
@@ -4763,151 +4802,7 @@
                   <a:srgbClr val="7030A0"/>
                 </a:solidFill>
               </a:rPr>
-              <a:t>Address</a:t>
-            </a:r>
-            <a:endParaRPr lang="en-SG" sz="1050" dirty="0">
-              <a:solidFill>
-                <a:srgbClr val="7030A0"/>
-              </a:solidFill>
-            </a:endParaRPr>
-          </a:p>
-        </p:txBody>
-      </p:sp>
-      <p:cxnSp>
-        <p:nvCxnSpPr>
-          <p:cNvPr id="86" name="Elbow Connector 85"/>
-          <p:cNvCxnSpPr>
-            <a:stCxn id="78" idx="3"/>
-            <a:endCxn id="85" idx="1"/>
-          </p:cNvCxnSpPr>
-          <p:nvPr/>
-        </p:nvCxnSpPr>
-        <p:spPr>
-          <a:xfrm>
-            <a:off x="7277995" y="3034891"/>
-            <a:ext cx="434402" cy="641172"/>
-          </a:xfrm>
-          <a:prstGeom prst="bentConnector3">
-            <a:avLst/>
-          </a:prstGeom>
-          <a:ln w="19050">
-            <a:solidFill>
-              <a:srgbClr val="7030A0"/>
-            </a:solidFill>
-            <a:headEnd type="none" w="med" len="med"/>
-            <a:tailEnd type="arrow" w="med" len="med"/>
-          </a:ln>
-          <a:effectLst/>
-        </p:spPr>
-        <p:style>
-          <a:lnRef idx="1">
-            <a:schemeClr val="accent2"/>
-          </a:lnRef>
-          <a:fillRef idx="2">
-            <a:schemeClr val="accent2"/>
-          </a:fillRef>
-          <a:effectRef idx="1">
-            <a:schemeClr val="accent2"/>
-          </a:effectRef>
-          <a:fontRef idx="minor">
-            <a:schemeClr val="dk1"/>
-          </a:fontRef>
-        </p:style>
-      </p:cxnSp>
-      <p:sp>
-        <p:nvSpPr>
-          <p:cNvPr id="114" name="TextBox 113"/>
-          <p:cNvSpPr txBox="1"/>
-          <p:nvPr/>
-        </p:nvSpPr>
-        <p:spPr>
-          <a:xfrm rot="16200000">
-            <a:off x="6362886" y="3586305"/>
-            <a:ext cx="881018" cy="261610"/>
-          </a:xfrm>
-          <a:prstGeom prst="rect">
-            <a:avLst/>
-          </a:prstGeom>
-          <a:noFill/>
-        </p:spPr>
-        <p:txBody>
-          <a:bodyPr wrap="square" rtlCol="0">
-            <a:spAutoFit/>
-          </a:bodyPr>
-          <a:lstStyle/>
-          <a:p>
-            <a:pPr algn="r"/>
-            <a:r>
-              <a:rPr lang="en-US" sz="1100" dirty="0">
-                <a:solidFill>
-                  <a:srgbClr val="7030A0"/>
-                </a:solidFill>
-              </a:rPr>
-              <a:t>filtered list</a:t>
-            </a:r>
-            <a:endParaRPr lang="en-SG" sz="1100" dirty="0">
-              <a:solidFill>
-                <a:srgbClr val="7030A0"/>
-              </a:solidFill>
-            </a:endParaRPr>
-          </a:p>
-        </p:txBody>
-      </p:sp>
-      <p:sp>
-        <p:nvSpPr>
-          <p:cNvPr id="122" name="Rectangle 8"/>
-          <p:cNvSpPr/>
-          <p:nvPr/>
-        </p:nvSpPr>
-        <p:spPr>
-          <a:xfrm>
-            <a:off x="2057401" y="4239491"/>
-            <a:ext cx="1066800" cy="346760"/>
-          </a:xfrm>
-          <a:prstGeom prst="rect">
-            <a:avLst/>
-          </a:prstGeom>
-          <a:ln w="19050">
-            <a:solidFill>
-              <a:srgbClr val="7030A0"/>
-            </a:solidFill>
-          </a:ln>
-          <a:effectLst/>
-        </p:spPr>
-        <p:style>
-          <a:lnRef idx="1">
-            <a:schemeClr val="accent4"/>
-          </a:lnRef>
-          <a:fillRef idx="2">
-            <a:schemeClr val="accent4"/>
-          </a:fillRef>
-          <a:effectRef idx="1">
-            <a:schemeClr val="accent4"/>
-          </a:effectRef>
-          <a:fontRef idx="minor">
-            <a:schemeClr val="dk1"/>
-          </a:fontRef>
-        </p:style>
-        <p:txBody>
-          <a:bodyPr rtlCol="0" anchor="ctr"/>
-          <a:lstStyle/>
-          <a:p>
-            <a:pPr algn="ctr"/>
-            <a:r>
-              <a:rPr lang="en-US" sz="1050" dirty="0">
-                <a:solidFill>
-                  <a:srgbClr val="7030A0"/>
-                </a:solidFill>
-              </a:rPr>
               <a:t>&lt;&lt;interface&gt;&gt;</a:t>
-            </a:r>
-            <a:r>
-              <a:rPr lang="en-US" sz="1050">
-                <a:solidFill>
-                  <a:srgbClr val="7030A0"/>
-                </a:solidFill>
-              </a:rPr>
-              <a:t/>
             </a:r>
             <a:br>
               <a:rPr lang="en-US" sz="1050">
@@ -5829,7 +5724,7 @@
                   <a:srgbClr val="7030A0"/>
                 </a:solidFill>
               </a:rPr>
-              <a:t>ReadOnlyAddressBook</a:t>
+              <a:t>ReadOnlyConcierge</a:t>
             </a:r>
             <a:endParaRPr lang="en-SG" sz="1050" dirty="0">
               <a:solidFill>
@@ -5880,12 +5775,12 @@
           <a:p>
             <a:pPr algn="ctr"/>
             <a:r>
-              <a:rPr lang="en-US" sz="1050" dirty="0" err="1">
+              <a:rPr lang="en-US" sz="1050" dirty="0">
                 <a:solidFill>
                   <a:srgbClr val="7030A0"/>
                 </a:solidFill>
               </a:rPr>
-              <a:t>AddressBook</a:t>
+              <a:t>Concierge</a:t>
             </a:r>
             <a:endParaRPr lang="en-SG" sz="1050" dirty="0">
               <a:solidFill>
